--- a/doc/SpringMVC简化版.pptx
+++ b/doc/SpringMVC简化版.pptx
@@ -3052,7 +3052,7 @@
             <a:pPr lvl="1"/>
             <a:r>
               <a:rPr lang="en-US" altLang="zh-CN" sz="2400"/>
-              <a:t>Class&lt;?&gt; clazz = Class.forName();</a:t>
+              <a:t>Class&lt;?&gt; clazz = Class.forName(xxx.xxx.xxx.Test);</a:t>
             </a:r>
             <a:endParaRPr lang="en-US" altLang="zh-CN" sz="2400"/>
           </a:p>
